--- a/docs/thumb.pptx
+++ b/docs/thumb.pptx
@@ -272,7 +272,7 @@
           <a:lstStyle/>
           <a:p>
             <a:fld id="{1439C4FD-202A-574D-A577-0DF627027773}" type="datetimeFigureOut">
-              <a:t>5/13/20</a:t>
+              <a:t>5/19/20</a:t>
             </a:fld>
             <a:endParaRPr lang="en-US"/>
           </a:p>
@@ -468,7 +468,7 @@
           <a:lstStyle/>
           <a:p>
             <a:fld id="{1439C4FD-202A-574D-A577-0DF627027773}" type="datetimeFigureOut">
-              <a:t>5/13/20</a:t>
+              <a:t>5/19/20</a:t>
             </a:fld>
             <a:endParaRPr lang="en-US"/>
           </a:p>
@@ -674,7 +674,7 @@
           <a:lstStyle/>
           <a:p>
             <a:fld id="{1439C4FD-202A-574D-A577-0DF627027773}" type="datetimeFigureOut">
-              <a:t>5/13/20</a:t>
+              <a:t>5/19/20</a:t>
             </a:fld>
             <a:endParaRPr lang="en-US"/>
           </a:p>
@@ -870,7 +870,7 @@
           <a:lstStyle/>
           <a:p>
             <a:fld id="{1439C4FD-202A-574D-A577-0DF627027773}" type="datetimeFigureOut">
-              <a:t>5/13/20</a:t>
+              <a:t>5/19/20</a:t>
             </a:fld>
             <a:endParaRPr lang="en-US"/>
           </a:p>
@@ -1143,7 +1143,7 @@
           <a:lstStyle/>
           <a:p>
             <a:fld id="{1439C4FD-202A-574D-A577-0DF627027773}" type="datetimeFigureOut">
-              <a:t>5/13/20</a:t>
+              <a:t>5/19/20</a:t>
             </a:fld>
             <a:endParaRPr lang="en-US"/>
           </a:p>
@@ -1406,7 +1406,7 @@
           <a:lstStyle/>
           <a:p>
             <a:fld id="{1439C4FD-202A-574D-A577-0DF627027773}" type="datetimeFigureOut">
-              <a:t>5/13/20</a:t>
+              <a:t>5/19/20</a:t>
             </a:fld>
             <a:endParaRPr lang="en-US"/>
           </a:p>
@@ -1816,7 +1816,7 @@
           <a:lstStyle/>
           <a:p>
             <a:fld id="{1439C4FD-202A-574D-A577-0DF627027773}" type="datetimeFigureOut">
-              <a:t>5/13/20</a:t>
+              <a:t>5/19/20</a:t>
             </a:fld>
             <a:endParaRPr lang="en-US"/>
           </a:p>
@@ -1955,7 +1955,7 @@
           <a:lstStyle/>
           <a:p>
             <a:fld id="{1439C4FD-202A-574D-A577-0DF627027773}" type="datetimeFigureOut">
-              <a:t>5/13/20</a:t>
+              <a:t>5/19/20</a:t>
             </a:fld>
             <a:endParaRPr lang="en-US"/>
           </a:p>
@@ -2066,7 +2066,7 @@
           <a:lstStyle/>
           <a:p>
             <a:fld id="{1439C4FD-202A-574D-A577-0DF627027773}" type="datetimeFigureOut">
-              <a:t>5/13/20</a:t>
+              <a:t>5/19/20</a:t>
             </a:fld>
             <a:endParaRPr lang="en-US"/>
           </a:p>
@@ -2375,7 +2375,7 @@
           <a:lstStyle/>
           <a:p>
             <a:fld id="{1439C4FD-202A-574D-A577-0DF627027773}" type="datetimeFigureOut">
-              <a:t>5/13/20</a:t>
+              <a:t>5/19/20</a:t>
             </a:fld>
             <a:endParaRPr lang="en-US"/>
           </a:p>
@@ -2661,7 +2661,7 @@
           <a:lstStyle/>
           <a:p>
             <a:fld id="{1439C4FD-202A-574D-A577-0DF627027773}" type="datetimeFigureOut">
-              <a:t>5/13/20</a:t>
+              <a:t>5/19/20</a:t>
             </a:fld>
             <a:endParaRPr lang="en-US"/>
           </a:p>
@@ -2900,7 +2900,7 @@
           </a:lstStyle>
           <a:p>
             <a:fld id="{1439C4FD-202A-574D-A577-0DF627027773}" type="datetimeFigureOut">
-              <a:t>5/13/20</a:t>
+              <a:t>5/19/20</a:t>
             </a:fld>
             <a:endParaRPr lang="en-US"/>
           </a:p>
@@ -3401,8 +3401,8 @@
         </p:nvSpPr>
         <p:spPr>
           <a:xfrm>
-            <a:off x="2779720" y="1265189"/>
-            <a:ext cx="2266842" cy="1415772"/>
+            <a:off x="2791468" y="1476866"/>
+            <a:ext cx="2266842" cy="1200329"/>
           </a:xfrm>
           <a:prstGeom prst="rect">
             <a:avLst/>
@@ -3428,26 +3428,14 @@
           </a:p>
           <a:p>
             <a:r>
-              <a:rPr lang="en-US" sz="2500" b="1" dirty="0">
+              <a:rPr lang="en-US" sz="3600" b="1" dirty="0">
                 <a:solidFill>
                   <a:schemeClr val="bg1">
                     <a:lumMod val="95000"/>
                   </a:schemeClr>
                 </a:solidFill>
               </a:rPr>
-              <a:t>VSC</a:t>
-            </a:r>
-          </a:p>
-          <a:p>
-            <a:r>
-              <a:rPr lang="en-US" sz="2500" b="1" dirty="0">
-                <a:solidFill>
-                  <a:schemeClr val="bg1">
-                    <a:lumMod val="95000"/>
-                  </a:schemeClr>
-                </a:solidFill>
-              </a:rPr>
-              <a:t>Remote WSL</a:t>
+              <a:t>Docker</a:t>
             </a:r>
           </a:p>
         </p:txBody>
@@ -3533,8 +3521,8 @@
             <a:avLst/>
           </a:prstGeom>
           <a:solidFill>
-            <a:schemeClr val="accent2">
-              <a:lumMod val="75000"/>
+            <a:schemeClr val="accent1">
+              <a:lumMod val="50000"/>
             </a:schemeClr>
           </a:solidFill>
         </p:spPr>
@@ -3557,7 +3545,7 @@
           <a:lstStyle/>
           <a:p>
             <a:pPr algn="ctr"/>
-            <a:endParaRPr lang="en-US"/>
+            <a:endParaRPr lang="en-US" dirty="0"/>
           </a:p>
         </p:txBody>
       </p:sp>
@@ -3575,7 +3563,7 @@
         </p:nvSpPr>
         <p:spPr>
           <a:xfrm>
-            <a:off x="972680" y="4491820"/>
+            <a:off x="667880" y="3429000"/>
             <a:ext cx="2133600" cy="2133600"/>
           </a:xfrm>
           <a:prstGeom prst="ellipse">
@@ -3609,7 +3597,7 @@
           <a:p>
             <a:pPr algn="ctr"/>
             <a:r>
-              <a:rPr lang="en-US" sz="9600" b="1">
+              <a:rPr lang="en-US" sz="9600" b="1" dirty="0">
                 <a:ln w="10160">
                   <a:solidFill>
                     <a:schemeClr val="accent5"/>
@@ -3627,17 +3615,47 @@
                   </a:outerShdw>
                 </a:effectLst>
               </a:rPr>
-              <a:t>01</a:t>
-            </a:r>
-          </a:p>
-        </p:txBody>
-      </p:sp>
-      <p:sp>
-        <p:nvSpPr>
-          <p:cNvPr id="10" name="TextBox 9">
-            <a:extLst>
-              <a:ext uri="{FF2B5EF4-FFF2-40B4-BE49-F238E27FC236}">
-                <a16:creationId xmlns:a16="http://schemas.microsoft.com/office/drawing/2014/main" id="{2FF36C00-7839-EE4C-9D22-B402188E680A}"/>
+              <a:t>06</a:t>
+            </a:r>
+          </a:p>
+        </p:txBody>
+      </p:sp>
+      <p:pic>
+        <p:nvPicPr>
+          <p:cNvPr id="6" name="Picture 5">
+            <a:extLst>
+              <a:ext uri="{FF2B5EF4-FFF2-40B4-BE49-F238E27FC236}">
+                <a16:creationId xmlns:a16="http://schemas.microsoft.com/office/drawing/2014/main" id="{8D52EBA6-9795-3346-9AE7-F5AC2FD0DCAC}"/>
+              </a:ext>
+            </a:extLst>
+          </p:cNvPr>
+          <p:cNvPicPr>
+            <a:picLocks noChangeAspect="1"/>
+          </p:cNvPicPr>
+          <p:nvPr/>
+        </p:nvPicPr>
+        <p:blipFill>
+          <a:blip r:embed="rId2"/>
+          <a:stretch>
+            <a:fillRect/>
+          </a:stretch>
+        </p:blipFill>
+        <p:spPr>
+          <a:xfrm>
+            <a:off x="489186" y="233188"/>
+            <a:ext cx="2697359" cy="2697359"/>
+          </a:xfrm>
+          <a:prstGeom prst="rect">
+            <a:avLst/>
+          </a:prstGeom>
+        </p:spPr>
+      </p:pic>
+      <p:sp>
+        <p:nvSpPr>
+          <p:cNvPr id="7" name="TextBox 6">
+            <a:extLst>
+              <a:ext uri="{FF2B5EF4-FFF2-40B4-BE49-F238E27FC236}">
+                <a16:creationId xmlns:a16="http://schemas.microsoft.com/office/drawing/2014/main" id="{9266C021-75C9-AB4C-9A4C-4226140A5CFC}"/>
               </a:ext>
             </a:extLst>
           </p:cNvPr>
@@ -3646,8 +3664,8 @@
         </p:nvSpPr>
         <p:spPr>
           <a:xfrm>
-            <a:off x="4436416" y="510619"/>
-            <a:ext cx="5747552" cy="3945119"/>
+            <a:off x="3768095" y="959629"/>
+            <a:ext cx="7193041" cy="2677656"/>
           </a:xfrm>
           <a:prstGeom prst="rect">
             <a:avLst/>
@@ -3660,90 +3678,32 @@
           </a:bodyPr>
           <a:lstStyle/>
           <a:p>
-            <a:pPr>
-              <a:lnSpc>
-                <a:spcPct val="150000"/>
-              </a:lnSpc>
-            </a:pPr>
-            <a:r>
-              <a:rPr lang="en-US" sz="8800" b="1">
-                <a:ln w="0"/>
-                <a:solidFill>
-                  <a:schemeClr val="bg1"/>
-                </a:solidFill>
-                <a:effectLst>
-                  <a:outerShdw blurRad="38100" dist="19050" dir="2700000" algn="tl" rotWithShape="0">
-                    <a:schemeClr val="dk1">
-                      <a:alpha val="40000"/>
-                    </a:schemeClr>
-                  </a:outerShdw>
-                </a:effectLst>
-              </a:rPr>
-              <a:t>Giới thiệu Cài đặt</a:t>
-            </a:r>
-            <a:endParaRPr lang="en-US" sz="8800" b="1">
-              <a:ln w="0">
+            <a:r>
+              <a:rPr lang="en-US" sz="8000" b="1" dirty="0">
                 <a:solidFill>
                   <a:schemeClr val="bg1">
                     <a:lumMod val="95000"/>
                   </a:schemeClr>
                 </a:solidFill>
-              </a:ln>
-              <a:solidFill>
-                <a:srgbClr val="FFFF00"/>
-              </a:solidFill>
-            </a:endParaRPr>
-          </a:p>
-        </p:txBody>
-      </p:sp>
-      <p:pic>
-        <p:nvPicPr>
-          <p:cNvPr id="4" name="Picture 3">
-            <a:extLst>
-              <a:ext uri="{FF2B5EF4-FFF2-40B4-BE49-F238E27FC236}">
-                <a16:creationId xmlns:a16="http://schemas.microsoft.com/office/drawing/2014/main" id="{1B413E14-2C88-EE46-BC7F-99D493F1425F}"/>
-              </a:ext>
-            </a:extLst>
-          </p:cNvPr>
-          <p:cNvPicPr>
-            <a:picLocks noChangeAspect="1"/>
-          </p:cNvPicPr>
-          <p:nvPr/>
-        </p:nvPicPr>
-        <p:blipFill>
-          <a:blip r:embed="rId2">
-            <a:extLst>
-              <a:ext uri="{BEBA8EAE-BF5A-486C-A8C5-ECC9F3942E4B}">
-                <a14:imgProps xmlns:a14="http://schemas.microsoft.com/office/drawing/2010/main">
-                  <a14:imgLayer r:embed="rId3">
-                    <a14:imgEffect>
-                      <a14:colorTemperature colorTemp="11200"/>
-                    </a14:imgEffect>
-                  </a14:imgLayer>
-                </a14:imgProps>
-              </a:ext>
-            </a:extLst>
-          </a:blip>
-          <a:stretch>
-            <a:fillRect/>
-          </a:stretch>
-        </p:blipFill>
-        <p:spPr>
-          <a:xfrm>
-            <a:off x="483531" y="961000"/>
-            <a:ext cx="3469354" cy="3044359"/>
-          </a:xfrm>
-          <a:prstGeom prst="rect">
-            <a:avLst/>
-          </a:prstGeom>
-          <a:ln>
-            <a:noFill/>
-          </a:ln>
-          <a:effectLst>
-            <a:softEdge rad="112500"/>
-          </a:effectLst>
-        </p:spPr>
-      </p:pic>
+              </a:rPr>
+              <a:t>WSL</a:t>
+            </a:r>
+          </a:p>
+          <a:p>
+            <a:r>
+              <a:rPr lang="en-US" sz="8800" b="1" dirty="0">
+                <a:solidFill>
+                  <a:schemeClr val="accent2">
+                    <a:lumMod val="60000"/>
+                    <a:lumOff val="40000"/>
+                  </a:schemeClr>
+                </a:solidFill>
+              </a:rPr>
+              <a:t>Docker – WSL2</a:t>
+            </a:r>
+          </a:p>
+        </p:txBody>
+      </p:sp>
     </p:spTree>
     <p:extLst>
       <p:ext uri="{BB962C8B-B14F-4D97-AF65-F5344CB8AC3E}">
